--- a/DiamondDeals.pptx
+++ b/DiamondDeals.pptx
@@ -11,7 +11,14 @@
     <p:sldId id="259" r:id="rId5"/>
     <p:sldId id="260" r:id="rId6"/>
     <p:sldId id="261" r:id="rId7"/>
-    <p:sldId id="262" r:id="rId8"/>
+    <p:sldId id="263" r:id="rId8"/>
+    <p:sldId id="264" r:id="rId9"/>
+    <p:sldId id="262" r:id="rId10"/>
+    <p:sldId id="265" r:id="rId11"/>
+    <p:sldId id="266" r:id="rId12"/>
+    <p:sldId id="267" r:id="rId13"/>
+    <p:sldId id="268" r:id="rId14"/>
+    <p:sldId id="269" r:id="rId15"/>
   </p:sldIdLst>
   <p:sldSz cx="12192000" cy="6858000"/>
   <p:notesSz cx="6858000" cy="9144000"/>
@@ -3982,6 +3989,492 @@
 </p:sld>
 </file>
 
+<file path=ppt/slides/slide10.xml><?xml version="1.0" encoding="utf-8"?>
+<p:sld xmlns:a="http://schemas.openxmlformats.org/drawingml/2006/main" xmlns:r="http://schemas.openxmlformats.org/officeDocument/2006/relationships" xmlns:p="http://schemas.openxmlformats.org/presentationml/2006/main">
+  <p:cSld>
+    <p:spTree>
+      <p:nvGrpSpPr>
+        <p:cNvPr id="1" name=""/>
+        <p:cNvGrpSpPr/>
+        <p:nvPr/>
+      </p:nvGrpSpPr>
+      <p:grpSpPr>
+        <a:xfrm>
+          <a:off x="0" y="0"/>
+          <a:ext cx="0" cy="0"/>
+          <a:chOff x="0" y="0"/>
+          <a:chExt cx="0" cy="0"/>
+        </a:xfrm>
+      </p:grpSpPr>
+      <p:sp>
+        <p:nvSpPr>
+          <p:cNvPr id="2" name="Title 1">
+            <a:extLst>
+              <a:ext uri="{FF2B5EF4-FFF2-40B4-BE49-F238E27FC236}">
+                <a16:creationId xmlns:a16="http://schemas.microsoft.com/office/drawing/2014/main" id="{9F30D82E-3FA4-868C-B562-2E2E54B407FA}"/>
+              </a:ext>
+            </a:extLst>
+          </p:cNvPr>
+          <p:cNvSpPr>
+            <a:spLocks noGrp="1"/>
+          </p:cNvSpPr>
+          <p:nvPr>
+            <p:ph type="title"/>
+          </p:nvPr>
+        </p:nvSpPr>
+        <p:spPr/>
+        <p:txBody>
+          <a:bodyPr/>
+          <a:lstStyle/>
+          <a:p>
+            <a:r>
+              <a:rPr lang="en-US" dirty="0"/>
+              <a:t>Results</a:t>
+            </a:r>
+          </a:p>
+        </p:txBody>
+      </p:sp>
+      <p:sp>
+        <p:nvSpPr>
+          <p:cNvPr id="3" name="Content Placeholder 2">
+            <a:extLst>
+              <a:ext uri="{FF2B5EF4-FFF2-40B4-BE49-F238E27FC236}">
+                <a16:creationId xmlns:a16="http://schemas.microsoft.com/office/drawing/2014/main" id="{2CDBDE45-C400-6B66-BC7C-725F80A97197}"/>
+              </a:ext>
+            </a:extLst>
+          </p:cNvPr>
+          <p:cNvSpPr>
+            <a:spLocks noGrp="1"/>
+          </p:cNvSpPr>
+          <p:nvPr>
+            <p:ph idx="1"/>
+          </p:nvPr>
+        </p:nvSpPr>
+        <p:spPr/>
+        <p:txBody>
+          <a:bodyPr/>
+          <a:lstStyle/>
+          <a:p>
+            <a:endParaRPr lang="en-US"/>
+          </a:p>
+        </p:txBody>
+      </p:sp>
+    </p:spTree>
+    <p:extLst>
+      <p:ext uri="{BB962C8B-B14F-4D97-AF65-F5344CB8AC3E}">
+        <p14:creationId xmlns:p14="http://schemas.microsoft.com/office/powerpoint/2010/main" val="820364396"/>
+      </p:ext>
+    </p:extLst>
+  </p:cSld>
+  <p:clrMapOvr>
+    <a:masterClrMapping/>
+  </p:clrMapOvr>
+</p:sld>
+</file>
+
+<file path=ppt/slides/slide11.xml><?xml version="1.0" encoding="utf-8"?>
+<p:sld xmlns:a="http://schemas.openxmlformats.org/drawingml/2006/main" xmlns:r="http://schemas.openxmlformats.org/officeDocument/2006/relationships" xmlns:p="http://schemas.openxmlformats.org/presentationml/2006/main">
+  <p:cSld>
+    <p:spTree>
+      <p:nvGrpSpPr>
+        <p:cNvPr id="1" name=""/>
+        <p:cNvGrpSpPr/>
+        <p:nvPr/>
+      </p:nvGrpSpPr>
+      <p:grpSpPr>
+        <a:xfrm>
+          <a:off x="0" y="0"/>
+          <a:ext cx="0" cy="0"/>
+          <a:chOff x="0" y="0"/>
+          <a:chExt cx="0" cy="0"/>
+        </a:xfrm>
+      </p:grpSpPr>
+      <p:sp>
+        <p:nvSpPr>
+          <p:cNvPr id="2" name="Title 1">
+            <a:extLst>
+              <a:ext uri="{FF2B5EF4-FFF2-40B4-BE49-F238E27FC236}">
+                <a16:creationId xmlns:a16="http://schemas.microsoft.com/office/drawing/2014/main" id="{91BD2750-5758-2147-15D5-81D867A59525}"/>
+              </a:ext>
+            </a:extLst>
+          </p:cNvPr>
+          <p:cNvSpPr>
+            <a:spLocks noGrp="1"/>
+          </p:cNvSpPr>
+          <p:nvPr>
+            <p:ph type="title"/>
+          </p:nvPr>
+        </p:nvSpPr>
+        <p:spPr/>
+        <p:txBody>
+          <a:bodyPr/>
+          <a:lstStyle/>
+          <a:p>
+            <a:r>
+              <a:rPr lang="en-US" dirty="0"/>
+              <a:t>Summary</a:t>
+            </a:r>
+          </a:p>
+        </p:txBody>
+      </p:sp>
+      <p:sp>
+        <p:nvSpPr>
+          <p:cNvPr id="3" name="Content Placeholder 2">
+            <a:extLst>
+              <a:ext uri="{FF2B5EF4-FFF2-40B4-BE49-F238E27FC236}">
+                <a16:creationId xmlns:a16="http://schemas.microsoft.com/office/drawing/2014/main" id="{4173332A-8B7F-72FC-811E-5EAFE51B6F5A}"/>
+              </a:ext>
+            </a:extLst>
+          </p:cNvPr>
+          <p:cNvSpPr>
+            <a:spLocks noGrp="1"/>
+          </p:cNvSpPr>
+          <p:nvPr>
+            <p:ph idx="1"/>
+          </p:nvPr>
+        </p:nvSpPr>
+        <p:spPr/>
+        <p:txBody>
+          <a:bodyPr/>
+          <a:lstStyle/>
+          <a:p>
+            <a:endParaRPr lang="en-US"/>
+          </a:p>
+        </p:txBody>
+      </p:sp>
+    </p:spTree>
+    <p:extLst>
+      <p:ext uri="{BB962C8B-B14F-4D97-AF65-F5344CB8AC3E}">
+        <p14:creationId xmlns:p14="http://schemas.microsoft.com/office/powerpoint/2010/main" val="148121044"/>
+      </p:ext>
+    </p:extLst>
+  </p:cSld>
+  <p:clrMapOvr>
+    <a:masterClrMapping/>
+  </p:clrMapOvr>
+</p:sld>
+</file>
+
+<file path=ppt/slides/slide12.xml><?xml version="1.0" encoding="utf-8"?>
+<p:sld xmlns:a="http://schemas.openxmlformats.org/drawingml/2006/main" xmlns:r="http://schemas.openxmlformats.org/officeDocument/2006/relationships" xmlns:p="http://schemas.openxmlformats.org/presentationml/2006/main">
+  <p:cSld>
+    <p:spTree>
+      <p:nvGrpSpPr>
+        <p:cNvPr id="1" name=""/>
+        <p:cNvGrpSpPr/>
+        <p:nvPr/>
+      </p:nvGrpSpPr>
+      <p:grpSpPr>
+        <a:xfrm>
+          <a:off x="0" y="0"/>
+          <a:ext cx="0" cy="0"/>
+          <a:chOff x="0" y="0"/>
+          <a:chExt cx="0" cy="0"/>
+        </a:xfrm>
+      </p:grpSpPr>
+      <p:sp>
+        <p:nvSpPr>
+          <p:cNvPr id="2" name="Title 1">
+            <a:extLst>
+              <a:ext uri="{FF2B5EF4-FFF2-40B4-BE49-F238E27FC236}">
+                <a16:creationId xmlns:a16="http://schemas.microsoft.com/office/drawing/2014/main" id="{950F7CDD-E4CB-AE11-9FF9-5F075167C1AD}"/>
+              </a:ext>
+            </a:extLst>
+          </p:cNvPr>
+          <p:cNvSpPr>
+            <a:spLocks noGrp="1"/>
+          </p:cNvSpPr>
+          <p:nvPr>
+            <p:ph type="title"/>
+          </p:nvPr>
+        </p:nvSpPr>
+        <p:spPr/>
+        <p:txBody>
+          <a:bodyPr/>
+          <a:lstStyle/>
+          <a:p>
+            <a:r>
+              <a:rPr lang="en-US" dirty="0"/>
+              <a:t>Conclusions</a:t>
+            </a:r>
+          </a:p>
+        </p:txBody>
+      </p:sp>
+      <p:sp>
+        <p:nvSpPr>
+          <p:cNvPr id="3" name="Content Placeholder 2">
+            <a:extLst>
+              <a:ext uri="{FF2B5EF4-FFF2-40B4-BE49-F238E27FC236}">
+                <a16:creationId xmlns:a16="http://schemas.microsoft.com/office/drawing/2014/main" id="{7042486C-2D15-E06A-17C3-B8C2D87CC2BD}"/>
+              </a:ext>
+            </a:extLst>
+          </p:cNvPr>
+          <p:cNvSpPr>
+            <a:spLocks noGrp="1"/>
+          </p:cNvSpPr>
+          <p:nvPr>
+            <p:ph idx="1"/>
+          </p:nvPr>
+        </p:nvSpPr>
+        <p:spPr/>
+        <p:txBody>
+          <a:bodyPr/>
+          <a:lstStyle/>
+          <a:p>
+            <a:endParaRPr lang="en-US" dirty="0"/>
+          </a:p>
+        </p:txBody>
+      </p:sp>
+    </p:spTree>
+    <p:extLst>
+      <p:ext uri="{BB962C8B-B14F-4D97-AF65-F5344CB8AC3E}">
+        <p14:creationId xmlns:p14="http://schemas.microsoft.com/office/powerpoint/2010/main" val="1559388877"/>
+      </p:ext>
+    </p:extLst>
+  </p:cSld>
+  <p:clrMapOvr>
+    <a:masterClrMapping/>
+  </p:clrMapOvr>
+</p:sld>
+</file>
+
+<file path=ppt/slides/slide13.xml><?xml version="1.0" encoding="utf-8"?>
+<p:sld xmlns:a="http://schemas.openxmlformats.org/drawingml/2006/main" xmlns:r="http://schemas.openxmlformats.org/officeDocument/2006/relationships" xmlns:p="http://schemas.openxmlformats.org/presentationml/2006/main">
+  <p:cSld>
+    <p:spTree>
+      <p:nvGrpSpPr>
+        <p:cNvPr id="1" name=""/>
+        <p:cNvGrpSpPr/>
+        <p:nvPr/>
+      </p:nvGrpSpPr>
+      <p:grpSpPr>
+        <a:xfrm>
+          <a:off x="0" y="0"/>
+          <a:ext cx="0" cy="0"/>
+          <a:chOff x="0" y="0"/>
+          <a:chExt cx="0" cy="0"/>
+        </a:xfrm>
+      </p:grpSpPr>
+      <p:sp>
+        <p:nvSpPr>
+          <p:cNvPr id="2" name="Title 1">
+            <a:extLst>
+              <a:ext uri="{FF2B5EF4-FFF2-40B4-BE49-F238E27FC236}">
+                <a16:creationId xmlns:a16="http://schemas.microsoft.com/office/drawing/2014/main" id="{007C343E-ACD0-93C0-8B7E-4DFFC2E901B4}"/>
+              </a:ext>
+            </a:extLst>
+          </p:cNvPr>
+          <p:cNvSpPr>
+            <a:spLocks noGrp="1"/>
+          </p:cNvSpPr>
+          <p:nvPr>
+            <p:ph type="title"/>
+          </p:nvPr>
+        </p:nvSpPr>
+        <p:spPr/>
+        <p:txBody>
+          <a:bodyPr/>
+          <a:lstStyle/>
+          <a:p>
+            <a:r>
+              <a:rPr lang="en-US" dirty="0"/>
+              <a:t>Questions</a:t>
+            </a:r>
+          </a:p>
+        </p:txBody>
+      </p:sp>
+      <p:sp>
+        <p:nvSpPr>
+          <p:cNvPr id="3" name="Content Placeholder 2">
+            <a:extLst>
+              <a:ext uri="{FF2B5EF4-FFF2-40B4-BE49-F238E27FC236}">
+                <a16:creationId xmlns:a16="http://schemas.microsoft.com/office/drawing/2014/main" id="{9CA1E8D9-A320-3A66-6A74-C34D6AF62696}"/>
+              </a:ext>
+            </a:extLst>
+          </p:cNvPr>
+          <p:cNvSpPr>
+            <a:spLocks noGrp="1"/>
+          </p:cNvSpPr>
+          <p:nvPr>
+            <p:ph idx="1"/>
+          </p:nvPr>
+        </p:nvSpPr>
+        <p:spPr/>
+        <p:txBody>
+          <a:bodyPr/>
+          <a:lstStyle/>
+          <a:p>
+            <a:endParaRPr lang="en-US"/>
+          </a:p>
+        </p:txBody>
+      </p:sp>
+    </p:spTree>
+    <p:extLst>
+      <p:ext uri="{BB962C8B-B14F-4D97-AF65-F5344CB8AC3E}">
+        <p14:creationId xmlns:p14="http://schemas.microsoft.com/office/powerpoint/2010/main" val="1546447200"/>
+      </p:ext>
+    </p:extLst>
+  </p:cSld>
+  <p:clrMapOvr>
+    <a:masterClrMapping/>
+  </p:clrMapOvr>
+</p:sld>
+</file>
+
+<file path=ppt/slides/slide14.xml><?xml version="1.0" encoding="utf-8"?>
+<p:sld xmlns:a="http://schemas.openxmlformats.org/drawingml/2006/main" xmlns:r="http://schemas.openxmlformats.org/officeDocument/2006/relationships" xmlns:p="http://schemas.openxmlformats.org/presentationml/2006/main">
+  <p:cSld>
+    <p:spTree>
+      <p:nvGrpSpPr>
+        <p:cNvPr id="1" name=""/>
+        <p:cNvGrpSpPr/>
+        <p:nvPr/>
+      </p:nvGrpSpPr>
+      <p:grpSpPr>
+        <a:xfrm>
+          <a:off x="0" y="0"/>
+          <a:ext cx="0" cy="0"/>
+          <a:chOff x="0" y="0"/>
+          <a:chExt cx="0" cy="0"/>
+        </a:xfrm>
+      </p:grpSpPr>
+      <p:sp>
+        <p:nvSpPr>
+          <p:cNvPr id="2" name="Title 1">
+            <a:extLst>
+              <a:ext uri="{FF2B5EF4-FFF2-40B4-BE49-F238E27FC236}">
+                <a16:creationId xmlns:a16="http://schemas.microsoft.com/office/drawing/2014/main" id="{DF53B7D1-2B6A-FDC2-0A3D-718A932CD6DC}"/>
+              </a:ext>
+            </a:extLst>
+          </p:cNvPr>
+          <p:cNvSpPr>
+            <a:spLocks noGrp="1"/>
+          </p:cNvSpPr>
+          <p:nvPr>
+            <p:ph type="title"/>
+          </p:nvPr>
+        </p:nvSpPr>
+        <p:spPr/>
+        <p:txBody>
+          <a:bodyPr/>
+          <a:lstStyle/>
+          <a:p>
+            <a:r>
+              <a:rPr lang="en-US" dirty="0"/>
+              <a:t>Citations</a:t>
+            </a:r>
+          </a:p>
+        </p:txBody>
+      </p:sp>
+      <p:sp>
+        <p:nvSpPr>
+          <p:cNvPr id="3" name="Content Placeholder 2">
+            <a:extLst>
+              <a:ext uri="{FF2B5EF4-FFF2-40B4-BE49-F238E27FC236}">
+                <a16:creationId xmlns:a16="http://schemas.microsoft.com/office/drawing/2014/main" id="{B32ADB23-EC01-559E-AFB7-C35E65F1B0DA}"/>
+              </a:ext>
+            </a:extLst>
+          </p:cNvPr>
+          <p:cNvSpPr>
+            <a:spLocks noGrp="1"/>
+          </p:cNvSpPr>
+          <p:nvPr>
+            <p:ph idx="1"/>
+          </p:nvPr>
+        </p:nvSpPr>
+        <p:spPr/>
+        <p:txBody>
+          <a:bodyPr>
+            <a:normAutofit/>
+          </a:bodyPr>
+          <a:lstStyle/>
+          <a:p>
+            <a:r>
+              <a:rPr lang="en-US" dirty="0"/>
+              <a:t>2024 MLB Free Agents Tracker. (n.d.). Spotrac.com. </a:t>
+            </a:r>
+            <a:r>
+              <a:rPr lang="en-US" dirty="0">
+                <a:hlinkClick r:id="rId2"/>
+              </a:rPr>
+              <a:t>https://www.spotrac.com/mlb/free-agents/</a:t>
+            </a:r>
+            <a:endParaRPr lang="en-US" dirty="0"/>
+          </a:p>
+          <a:p>
+            <a:r>
+              <a:rPr lang="en-US" dirty="0"/>
+              <a:t>Standard Stats | Glossary | MLB.com. (n.d.). MLB.com. </a:t>
+            </a:r>
+            <a:r>
+              <a:rPr lang="en-US" dirty="0">
+                <a:hlinkClick r:id="rId3"/>
+              </a:rPr>
+              <a:t>https://www.mlb.com/glossary/standard-stats</a:t>
+            </a:r>
+            <a:endParaRPr lang="en-US" dirty="0"/>
+          </a:p>
+          <a:p>
+            <a:r>
+              <a:rPr lang="en-US" dirty="0"/>
+              <a:t>Advanced Stats | Glossary | MLB.com. (n.d.). MLB.com. </a:t>
+            </a:r>
+            <a:r>
+              <a:rPr lang="en-US" dirty="0">
+                <a:hlinkClick r:id="rId4"/>
+              </a:rPr>
+              <a:t>https://www.mlb.com/glossary/advanced-stats</a:t>
+            </a:r>
+            <a:endParaRPr lang="en-US" dirty="0"/>
+          </a:p>
+          <a:p>
+            <a:r>
+              <a:rPr lang="en-US" dirty="0" err="1"/>
+              <a:t>Ravelo</a:t>
+            </a:r>
+            <a:r>
+              <a:rPr lang="en-US" dirty="0"/>
+              <a:t>, C. (2022, November 23). Stepwise Regression: What is it and should you use it? Statistics Solutions. </a:t>
+            </a:r>
+            <a:r>
+              <a:rPr lang="en-US" dirty="0">
+                <a:hlinkClick r:id="rId5"/>
+              </a:rPr>
+              <a:t>https://www.statisticssolutions.com/stepwise-regression-what-is-it-and-should-you-use-it/</a:t>
+            </a:r>
+            <a:endParaRPr lang="en-US" dirty="0"/>
+          </a:p>
+          <a:p>
+            <a:r>
+              <a:rPr lang="en-US" dirty="0"/>
+              <a:t>Fein, E. C. (2022, June 16). Section 7.3: Moderation Models, Assumptions, Interpretation, and Write up. Pressbooks. </a:t>
+            </a:r>
+            <a:r>
+              <a:rPr lang="en-US" dirty="0">
+                <a:hlinkClick r:id="rId6"/>
+              </a:rPr>
+              <a:t>https://usq.pressbooks.pub/statisticsforresearchstudents/chapter/moderation-assumptions/</a:t>
+            </a:r>
+            <a:endParaRPr lang="en-US" dirty="0"/>
+          </a:p>
+          <a:p>
+            <a:endParaRPr lang="en-US" dirty="0"/>
+          </a:p>
+        </p:txBody>
+      </p:sp>
+    </p:spTree>
+    <p:extLst>
+      <p:ext uri="{BB962C8B-B14F-4D97-AF65-F5344CB8AC3E}">
+        <p14:creationId xmlns:p14="http://schemas.microsoft.com/office/powerpoint/2010/main" val="499644295"/>
+      </p:ext>
+    </p:extLst>
+  </p:cSld>
+  <p:clrMapOvr>
+    <a:masterClrMapping/>
+  </p:clrMapOvr>
+</p:sld>
+</file>
+
 <file path=ppt/slides/slide2.xml><?xml version="1.0" encoding="utf-8"?>
 <p:sld xmlns:a="http://schemas.openxmlformats.org/drawingml/2006/main" xmlns:r="http://schemas.openxmlformats.org/officeDocument/2006/relationships" xmlns:p="http://schemas.openxmlformats.org/presentationml/2006/main">
   <p:cSld>
@@ -4620,7 +5113,17 @@
           </a:p>
           <a:p>
             <a:pPr lvl="1"/>
-            <a:endParaRPr lang="en-US" dirty="0"/>
+            <a:r>
+              <a:rPr lang="en-US" dirty="0"/>
+              <a:t>WAR = (Batting Runs + Base Running Runs +Fielding Runs + Positional Adjustment + League Adjustment +Replacement Runs) / (Runs Per Win)</a:t>
+            </a:r>
+          </a:p>
+          <a:p>
+            <a:pPr lvl="1"/>
+            <a:r>
+              <a:rPr lang="en-US" dirty="0"/>
+              <a:t>WAR = [[([(League “FIP” – “FIP”) / Pitcher Specific Runs Per Win] + Replacement Level) * (IP/9)] * Leverage Multiplier for Relievers] + League Correction</a:t>
+            </a:r>
           </a:p>
         </p:txBody>
       </p:sp>
@@ -4659,7 +5162,7 @@
           <p:cNvPr id="2" name="Title 1">
             <a:extLst>
               <a:ext uri="{FF2B5EF4-FFF2-40B4-BE49-F238E27FC236}">
-                <a16:creationId xmlns:a16="http://schemas.microsoft.com/office/drawing/2014/main" id="{389565AC-F7A8-1672-9F31-4D103834BEE4}"/>
+                <a16:creationId xmlns:a16="http://schemas.microsoft.com/office/drawing/2014/main" id="{510F99BB-A09E-0CDC-0F1B-86CBB1DAAF4A}"/>
               </a:ext>
             </a:extLst>
           </p:cNvPr>
@@ -4668,6 +5171,34 @@
           </p:cNvSpPr>
           <p:nvPr>
             <p:ph type="title"/>
+          </p:nvPr>
+        </p:nvSpPr>
+        <p:spPr/>
+        <p:txBody>
+          <a:bodyPr/>
+          <a:lstStyle/>
+          <a:p>
+            <a:r>
+              <a:rPr lang="en-US" dirty="0"/>
+              <a:t>Gathering Data Methods</a:t>
+            </a:r>
+          </a:p>
+        </p:txBody>
+      </p:sp>
+      <p:sp>
+        <p:nvSpPr>
+          <p:cNvPr id="3" name="Content Placeholder 2">
+            <a:extLst>
+              <a:ext uri="{FF2B5EF4-FFF2-40B4-BE49-F238E27FC236}">
+                <a16:creationId xmlns:a16="http://schemas.microsoft.com/office/drawing/2014/main" id="{DF444584-D22F-A569-7D5A-6B9824D855AA}"/>
+              </a:ext>
+            </a:extLst>
+          </p:cNvPr>
+          <p:cNvSpPr>
+            <a:spLocks noGrp="1"/>
+          </p:cNvSpPr>
+          <p:nvPr>
+            <p:ph idx="1"/>
           </p:nvPr>
         </p:nvSpPr>
         <p:spPr/>
@@ -4679,7 +5210,105 @@
           <a:p>
             <a:r>
               <a:rPr lang="en-US" dirty="0"/>
-              <a:t>Methods</a:t>
+              <a:t>All data from spotrac.com</a:t>
+            </a:r>
+          </a:p>
+          <a:p>
+            <a:r>
+              <a:rPr lang="en-US" dirty="0"/>
+              <a:t>Free Agent Signings of seasons 2019-2023</a:t>
+            </a:r>
+          </a:p>
+          <a:p>
+            <a:pPr lvl="1"/>
+            <a:r>
+              <a:rPr lang="en-US" dirty="0"/>
+              <a:t>Player, Position, Age, Bats, Throws, Team From, Team To,  Years Signed, Total Salary, Average Yearly Salary </a:t>
+            </a:r>
+          </a:p>
+          <a:p>
+            <a:r>
+              <a:rPr lang="en-US" dirty="0"/>
+              <a:t>Stats of players from seasons 2018-2022</a:t>
+            </a:r>
+          </a:p>
+          <a:p>
+            <a:pPr lvl="1"/>
+            <a:r>
+              <a:rPr lang="en-US" dirty="0"/>
+              <a:t>H, RBI, HR, AVG, OPS, IP, ERA, WHIP, W, SV, WAR</a:t>
+            </a:r>
+          </a:p>
+          <a:p>
+            <a:pPr lvl="1"/>
+            <a:endParaRPr lang="en-US" dirty="0"/>
+          </a:p>
+          <a:p>
+            <a:r>
+              <a:rPr lang="en-US" dirty="0"/>
+              <a:t>Starting with 679 Samples</a:t>
+            </a:r>
+          </a:p>
+          <a:p>
+            <a:pPr lvl="1"/>
+            <a:endParaRPr lang="en-US" dirty="0"/>
+          </a:p>
+        </p:txBody>
+      </p:sp>
+    </p:spTree>
+    <p:extLst>
+      <p:ext uri="{BB962C8B-B14F-4D97-AF65-F5344CB8AC3E}">
+        <p14:creationId xmlns:p14="http://schemas.microsoft.com/office/powerpoint/2010/main" val="3066043042"/>
+      </p:ext>
+    </p:extLst>
+  </p:cSld>
+  <p:clrMapOvr>
+    <a:masterClrMapping/>
+  </p:clrMapOvr>
+</p:sld>
+</file>
+
+<file path=ppt/slides/slide8.xml><?xml version="1.0" encoding="utf-8"?>
+<p:sld xmlns:a="http://schemas.openxmlformats.org/drawingml/2006/main" xmlns:r="http://schemas.openxmlformats.org/officeDocument/2006/relationships" xmlns:p="http://schemas.openxmlformats.org/presentationml/2006/main">
+  <p:cSld>
+    <p:spTree>
+      <p:nvGrpSpPr>
+        <p:cNvPr id="1" name=""/>
+        <p:cNvGrpSpPr/>
+        <p:nvPr/>
+      </p:nvGrpSpPr>
+      <p:grpSpPr>
+        <a:xfrm>
+          <a:off x="0" y="0"/>
+          <a:ext cx="0" cy="0"/>
+          <a:chOff x="0" y="0"/>
+          <a:chExt cx="0" cy="0"/>
+        </a:xfrm>
+      </p:grpSpPr>
+      <p:sp>
+        <p:nvSpPr>
+          <p:cNvPr id="2" name="Title 1">
+            <a:extLst>
+              <a:ext uri="{FF2B5EF4-FFF2-40B4-BE49-F238E27FC236}">
+                <a16:creationId xmlns:a16="http://schemas.microsoft.com/office/drawing/2014/main" id="{E220BC63-51D9-47AD-BD81-BF25F25DDB31}"/>
+              </a:ext>
+            </a:extLst>
+          </p:cNvPr>
+          <p:cNvSpPr>
+            <a:spLocks noGrp="1"/>
+          </p:cNvSpPr>
+          <p:nvPr>
+            <p:ph type="title"/>
+          </p:nvPr>
+        </p:nvSpPr>
+        <p:spPr/>
+        <p:txBody>
+          <a:bodyPr/>
+          <a:lstStyle/>
+          <a:p>
+            <a:r>
+              <a:rPr lang="en-US" dirty="0"/>
+              <a:t>Manipulating Data</a:t>
             </a:r>
           </a:p>
         </p:txBody>
@@ -4689,6 +5318,168 @@
           <p:cNvPr id="3" name="Content Placeholder 2">
             <a:extLst>
               <a:ext uri="{FF2B5EF4-FFF2-40B4-BE49-F238E27FC236}">
+                <a16:creationId xmlns:a16="http://schemas.microsoft.com/office/drawing/2014/main" id="{3035716C-2EBD-323E-F8E4-56BDB4998AE9}"/>
+              </a:ext>
+            </a:extLst>
+          </p:cNvPr>
+          <p:cNvSpPr>
+            <a:spLocks noGrp="1"/>
+          </p:cNvSpPr>
+          <p:nvPr>
+            <p:ph idx="1"/>
+          </p:nvPr>
+        </p:nvSpPr>
+        <p:spPr/>
+        <p:txBody>
+          <a:bodyPr>
+            <a:normAutofit fontScale="92500" lnSpcReduction="20000"/>
+          </a:bodyPr>
+          <a:lstStyle/>
+          <a:p>
+            <a:r>
+              <a:rPr lang="en-US" dirty="0"/>
+              <a:t>Add Player Id column</a:t>
+            </a:r>
+          </a:p>
+          <a:p>
+            <a:r>
+              <a:rPr lang="en-US" dirty="0"/>
+              <a:t>Split the data into Pitcher and Position Player</a:t>
+            </a:r>
+          </a:p>
+          <a:p>
+            <a:pPr lvl="1"/>
+            <a:r>
+              <a:rPr lang="en-US" dirty="0"/>
+              <a:t>Created dummy variables to match positions to separate</a:t>
+            </a:r>
+          </a:p>
+          <a:p>
+            <a:r>
+              <a:rPr lang="en-US" dirty="0"/>
+              <a:t>Drop irrelevant columns</a:t>
+            </a:r>
+          </a:p>
+          <a:p>
+            <a:pPr lvl="1"/>
+            <a:r>
+              <a:rPr lang="en-US" dirty="0"/>
+              <a:t>Position, Bats, Throws, From, To</a:t>
+            </a:r>
+          </a:p>
+          <a:p>
+            <a:r>
+              <a:rPr lang="en-US" dirty="0"/>
+              <a:t>Drop missing values or change to 0</a:t>
+            </a:r>
+          </a:p>
+          <a:p>
+            <a:r>
+              <a:rPr lang="en-US" dirty="0"/>
+              <a:t>Pitchers</a:t>
+            </a:r>
+          </a:p>
+          <a:p>
+            <a:pPr lvl="1"/>
+            <a:r>
+              <a:rPr lang="en-US" dirty="0"/>
+              <a:t>Age, Average Salary, Innings Pitched, ERA, WHIP, Wins, Saves, WAR</a:t>
+            </a:r>
+          </a:p>
+          <a:p>
+            <a:pPr lvl="1"/>
+            <a:r>
+              <a:rPr lang="en-US" dirty="0"/>
+              <a:t>Sample Size 331</a:t>
+            </a:r>
+          </a:p>
+          <a:p>
+            <a:r>
+              <a:rPr lang="en-US" dirty="0"/>
+              <a:t>Position Players</a:t>
+            </a:r>
+          </a:p>
+          <a:p>
+            <a:pPr lvl="1"/>
+            <a:r>
+              <a:rPr lang="en-US" dirty="0"/>
+              <a:t>Age, Average Salary, Hits, RBI, HR, AVG, OPS, WAR</a:t>
+            </a:r>
+          </a:p>
+          <a:p>
+            <a:pPr lvl="1"/>
+            <a:r>
+              <a:rPr lang="en-US" dirty="0"/>
+              <a:t>Sample Size 278</a:t>
+            </a:r>
+          </a:p>
+        </p:txBody>
+      </p:sp>
+    </p:spTree>
+    <p:extLst>
+      <p:ext uri="{BB962C8B-B14F-4D97-AF65-F5344CB8AC3E}">
+        <p14:creationId xmlns:p14="http://schemas.microsoft.com/office/powerpoint/2010/main" val="3699719691"/>
+      </p:ext>
+    </p:extLst>
+  </p:cSld>
+  <p:clrMapOvr>
+    <a:masterClrMapping/>
+  </p:clrMapOvr>
+</p:sld>
+</file>
+
+<file path=ppt/slides/slide9.xml><?xml version="1.0" encoding="utf-8"?>
+<p:sld xmlns:a="http://schemas.openxmlformats.org/drawingml/2006/main" xmlns:r="http://schemas.openxmlformats.org/officeDocument/2006/relationships" xmlns:p="http://schemas.openxmlformats.org/presentationml/2006/main">
+  <p:cSld>
+    <p:spTree>
+      <p:nvGrpSpPr>
+        <p:cNvPr id="1" name=""/>
+        <p:cNvGrpSpPr/>
+        <p:nvPr/>
+      </p:nvGrpSpPr>
+      <p:grpSpPr>
+        <a:xfrm>
+          <a:off x="0" y="0"/>
+          <a:ext cx="0" cy="0"/>
+          <a:chOff x="0" y="0"/>
+          <a:chExt cx="0" cy="0"/>
+        </a:xfrm>
+      </p:grpSpPr>
+      <p:sp>
+        <p:nvSpPr>
+          <p:cNvPr id="2" name="Title 1">
+            <a:extLst>
+              <a:ext uri="{FF2B5EF4-FFF2-40B4-BE49-F238E27FC236}">
+                <a16:creationId xmlns:a16="http://schemas.microsoft.com/office/drawing/2014/main" id="{389565AC-F7A8-1672-9F31-4D103834BEE4}"/>
+              </a:ext>
+            </a:extLst>
+          </p:cNvPr>
+          <p:cNvSpPr>
+            <a:spLocks noGrp="1"/>
+          </p:cNvSpPr>
+          <p:nvPr>
+            <p:ph type="title"/>
+          </p:nvPr>
+        </p:nvSpPr>
+        <p:spPr/>
+        <p:txBody>
+          <a:bodyPr>
+            <a:normAutofit/>
+          </a:bodyPr>
+          <a:lstStyle/>
+          <a:p>
+            <a:r>
+              <a:rPr lang="en-US" dirty="0"/>
+              <a:t>Result Methods</a:t>
+            </a:r>
+          </a:p>
+        </p:txBody>
+      </p:sp>
+      <p:sp>
+        <p:nvSpPr>
+          <p:cNvPr id="3" name="Content Placeholder 2">
+            <a:extLst>
+              <a:ext uri="{FF2B5EF4-FFF2-40B4-BE49-F238E27FC236}">
                 <a16:creationId xmlns:a16="http://schemas.microsoft.com/office/drawing/2014/main" id="{C55AC2F5-32AA-F6AB-D409-0390C5AE65AA}"/>
               </a:ext>
             </a:extLst>
@@ -4705,7 +5496,43 @@
           <a:bodyPr/>
           <a:lstStyle/>
           <a:p>
-            <a:endParaRPr lang="en-US" dirty="0"/>
+            <a:r>
+              <a:rPr lang="en-US" dirty="0"/>
+              <a:t>Stepwise Linear Regression</a:t>
+            </a:r>
+          </a:p>
+          <a:p>
+            <a:pPr lvl="1"/>
+            <a:r>
+              <a:rPr lang="en-US" dirty="0"/>
+              <a:t>Method used to model the relationship between a dependent variable and one or more independent variables that adds or removes predictor variables from the model in a step-by-step fashion.</a:t>
+            </a:r>
+          </a:p>
+          <a:p>
+            <a:r>
+              <a:rPr lang="en-US" dirty="0"/>
+              <a:t>Mediation </a:t>
+            </a:r>
+          </a:p>
+          <a:p>
+            <a:pPr lvl="1"/>
+            <a:r>
+              <a:rPr lang="en-US" dirty="0"/>
+              <a:t>Analysis used to explore the indirect effect of an independent variable on a dependent variable through a mediator variable.</a:t>
+            </a:r>
+          </a:p>
+          <a:p>
+            <a:r>
+              <a:rPr lang="en-US" dirty="0"/>
+              <a:t>Moderation</a:t>
+            </a:r>
+          </a:p>
+          <a:p>
+            <a:pPr lvl="1"/>
+            <a:r>
+              <a:rPr lang="en-US" dirty="0"/>
+              <a:t>Analysis that examines the influence of a third variable on the strength of the relationship between an independent variable and a dependent variable.</a:t>
+            </a:r>
           </a:p>
         </p:txBody>
       </p:sp>
